--- a/api/overview/up/img/chunked-upload.pptx
+++ b/api/overview/up/img/chunked-upload.pptx
@@ -7,6 +7,7 @@
   <p:sldIdLst>
     <p:sldId id="256" r:id="rId2"/>
     <p:sldId id="257" r:id="rId3"/>
+    <p:sldId id="258" r:id="rId4"/>
   </p:sldIdLst>
   <p:sldSz cx="9144000" cy="6858000" type="screen4x3"/>
   <p:notesSz cx="6858000" cy="9144000"/>
@@ -289,7 +290,7 @@
           <a:p>
             <a:fld id="{881D8425-6142-5542-A55B-2E6ECEFE6DA0}" type="datetimeFigureOut">
               <a:rPr kumimoji="1" lang="zh-CN" altLang="en-US" smtClean="0"/>
-              <a:t>13-11-26</a:t>
+              <a:t>13-11-27</a:t>
             </a:fld>
             <a:endParaRPr kumimoji="1" lang="zh-CN" altLang="en-US"/>
           </a:p>
@@ -459,7 +460,7 @@
           <a:p>
             <a:fld id="{881D8425-6142-5542-A55B-2E6ECEFE6DA0}" type="datetimeFigureOut">
               <a:rPr kumimoji="1" lang="zh-CN" altLang="en-US" smtClean="0"/>
-              <a:t>13-11-26</a:t>
+              <a:t>13-11-27</a:t>
             </a:fld>
             <a:endParaRPr kumimoji="1" lang="zh-CN" altLang="en-US"/>
           </a:p>
@@ -639,7 +640,7 @@
           <a:p>
             <a:fld id="{881D8425-6142-5542-A55B-2E6ECEFE6DA0}" type="datetimeFigureOut">
               <a:rPr kumimoji="1" lang="zh-CN" altLang="en-US" smtClean="0"/>
-              <a:t>13-11-26</a:t>
+              <a:t>13-11-27</a:t>
             </a:fld>
             <a:endParaRPr kumimoji="1" lang="zh-CN" altLang="en-US"/>
           </a:p>
@@ -809,7 +810,7 @@
           <a:p>
             <a:fld id="{881D8425-6142-5542-A55B-2E6ECEFE6DA0}" type="datetimeFigureOut">
               <a:rPr kumimoji="1" lang="zh-CN" altLang="en-US" smtClean="0"/>
-              <a:t>13-11-26</a:t>
+              <a:t>13-11-27</a:t>
             </a:fld>
             <a:endParaRPr kumimoji="1" lang="zh-CN" altLang="en-US"/>
           </a:p>
@@ -1055,7 +1056,7 @@
           <a:p>
             <a:fld id="{881D8425-6142-5542-A55B-2E6ECEFE6DA0}" type="datetimeFigureOut">
               <a:rPr kumimoji="1" lang="zh-CN" altLang="en-US" smtClean="0"/>
-              <a:t>13-11-26</a:t>
+              <a:t>13-11-27</a:t>
             </a:fld>
             <a:endParaRPr kumimoji="1" lang="zh-CN" altLang="en-US"/>
           </a:p>
@@ -1343,7 +1344,7 @@
           <a:p>
             <a:fld id="{881D8425-6142-5542-A55B-2E6ECEFE6DA0}" type="datetimeFigureOut">
               <a:rPr kumimoji="1" lang="zh-CN" altLang="en-US" smtClean="0"/>
-              <a:t>13-11-26</a:t>
+              <a:t>13-11-27</a:t>
             </a:fld>
             <a:endParaRPr kumimoji="1" lang="zh-CN" altLang="en-US"/>
           </a:p>
@@ -1765,7 +1766,7 @@
           <a:p>
             <a:fld id="{881D8425-6142-5542-A55B-2E6ECEFE6DA0}" type="datetimeFigureOut">
               <a:rPr kumimoji="1" lang="zh-CN" altLang="en-US" smtClean="0"/>
-              <a:t>13-11-26</a:t>
+              <a:t>13-11-27</a:t>
             </a:fld>
             <a:endParaRPr kumimoji="1" lang="zh-CN" altLang="en-US"/>
           </a:p>
@@ -1883,7 +1884,7 @@
           <a:p>
             <a:fld id="{881D8425-6142-5542-A55B-2E6ECEFE6DA0}" type="datetimeFigureOut">
               <a:rPr kumimoji="1" lang="zh-CN" altLang="en-US" smtClean="0"/>
-              <a:t>13-11-26</a:t>
+              <a:t>13-11-27</a:t>
             </a:fld>
             <a:endParaRPr kumimoji="1" lang="zh-CN" altLang="en-US"/>
           </a:p>
@@ -1978,7 +1979,7 @@
           <a:p>
             <a:fld id="{881D8425-6142-5542-A55B-2E6ECEFE6DA0}" type="datetimeFigureOut">
               <a:rPr kumimoji="1" lang="zh-CN" altLang="en-US" smtClean="0"/>
-              <a:t>13-11-26</a:t>
+              <a:t>13-11-27</a:t>
             </a:fld>
             <a:endParaRPr kumimoji="1" lang="zh-CN" altLang="en-US"/>
           </a:p>
@@ -2255,7 +2256,7 @@
           <a:p>
             <a:fld id="{881D8425-6142-5542-A55B-2E6ECEFE6DA0}" type="datetimeFigureOut">
               <a:rPr kumimoji="1" lang="zh-CN" altLang="en-US" smtClean="0"/>
-              <a:t>13-11-26</a:t>
+              <a:t>13-11-27</a:t>
             </a:fld>
             <a:endParaRPr kumimoji="1" lang="zh-CN" altLang="en-US"/>
           </a:p>
@@ -2508,7 +2509,7 @@
           <a:p>
             <a:fld id="{881D8425-6142-5542-A55B-2E6ECEFE6DA0}" type="datetimeFigureOut">
               <a:rPr kumimoji="1" lang="zh-CN" altLang="en-US" smtClean="0"/>
-              <a:t>13-11-26</a:t>
+              <a:t>13-11-27</a:t>
             </a:fld>
             <a:endParaRPr kumimoji="1" lang="zh-CN" altLang="en-US"/>
           </a:p>
@@ -2721,7 +2722,7 @@
           <a:p>
             <a:fld id="{881D8425-6142-5542-A55B-2E6ECEFE6DA0}" type="datetimeFigureOut">
               <a:rPr kumimoji="1" lang="zh-CN" altLang="en-US" smtClean="0"/>
-              <a:t>13-11-26</a:t>
+              <a:t>13-11-27</a:t>
             </a:fld>
             <a:endParaRPr kumimoji="1" lang="zh-CN" altLang="en-US"/>
           </a:p>
@@ -5222,6 +5223,947 @@
 </p:sld>
 </file>
 
+<file path=ppt/slides/slide3.xml><?xml version="1.0" encoding="utf-8"?>
+<p:sld xmlns:a="http://schemas.openxmlformats.org/drawingml/2006/main" xmlns:r="http://schemas.openxmlformats.org/officeDocument/2006/relationships" xmlns:p="http://schemas.openxmlformats.org/presentationml/2006/main">
+  <p:cSld>
+    <p:spTree>
+      <p:nvGrpSpPr>
+        <p:cNvPr id="1" name=""/>
+        <p:cNvGrpSpPr/>
+        <p:nvPr/>
+      </p:nvGrpSpPr>
+      <p:grpSpPr>
+        <a:xfrm>
+          <a:off x="0" y="0"/>
+          <a:ext cx="0" cy="0"/>
+          <a:chOff x="0" y="0"/>
+          <a:chExt cx="0" cy="0"/>
+        </a:xfrm>
+      </p:grpSpPr>
+      <p:sp>
+        <p:nvSpPr>
+          <p:cNvPr id="5" name="准备 4"/>
+          <p:cNvSpPr/>
+          <p:nvPr/>
+        </p:nvSpPr>
+        <p:spPr>
+          <a:xfrm>
+            <a:off x="1932802" y="72284"/>
+            <a:ext cx="1865685" cy="411480"/>
+          </a:xfrm>
+          <a:prstGeom prst="flowChartPreparation">
+            <a:avLst/>
+          </a:prstGeom>
+          <a:ln/>
+        </p:spPr>
+        <p:style>
+          <a:lnRef idx="2">
+            <a:schemeClr val="dk1"/>
+          </a:lnRef>
+          <a:fillRef idx="1">
+            <a:schemeClr val="lt1"/>
+          </a:fillRef>
+          <a:effectRef idx="0">
+            <a:schemeClr val="dk1"/>
+          </a:effectRef>
+          <a:fontRef idx="minor">
+            <a:schemeClr val="dk1"/>
+          </a:fontRef>
+        </p:style>
+        <p:txBody>
+          <a:bodyPr anchor="ctr"/>
+          <a:lstStyle/>
+          <a:p>
+            <a:pPr algn="ctr"/>
+            <a:r>
+              <a:rPr lang="zh-CN" altLang="en-US" dirty="0" smtClean="0">
+                <a:latin typeface="Hei"/>
+                <a:ea typeface="Hei"/>
+                <a:cs typeface="Hei"/>
+              </a:rPr>
+              <a:t>开始</a:t>
+            </a:r>
+            <a:endParaRPr lang="zh-CN" altLang="en-US" dirty="0">
+              <a:latin typeface="Hei"/>
+              <a:ea typeface="Hei"/>
+              <a:cs typeface="Hei"/>
+            </a:endParaRPr>
+          </a:p>
+        </p:txBody>
+      </p:sp>
+      <p:sp>
+        <p:nvSpPr>
+          <p:cNvPr id="6" name="进程 5"/>
+          <p:cNvSpPr/>
+          <p:nvPr/>
+        </p:nvSpPr>
+        <p:spPr>
+          <a:xfrm>
+            <a:off x="1558701" y="734821"/>
+            <a:ext cx="2613887" cy="528487"/>
+          </a:xfrm>
+          <a:prstGeom prst="flowChartProcess">
+            <a:avLst/>
+          </a:prstGeom>
+          <a:ln/>
+        </p:spPr>
+        <p:style>
+          <a:lnRef idx="2">
+            <a:schemeClr val="dk1"/>
+          </a:lnRef>
+          <a:fillRef idx="1">
+            <a:schemeClr val="lt1"/>
+          </a:fillRef>
+          <a:effectRef idx="0">
+            <a:schemeClr val="dk1"/>
+          </a:effectRef>
+          <a:fontRef idx="minor">
+            <a:schemeClr val="dk1"/>
+          </a:fontRef>
+        </p:style>
+        <p:txBody>
+          <a:bodyPr anchor="ctr"/>
+          <a:lstStyle/>
+          <a:p>
+            <a:pPr algn="ctr"/>
+            <a:r>
+              <a:rPr lang="zh-CN" altLang="en-US" dirty="0" smtClean="0">
+                <a:latin typeface="Hei"/>
+                <a:ea typeface="Hei"/>
+                <a:cs typeface="Hei"/>
+              </a:rPr>
+              <a:t>将</a:t>
+            </a:r>
+            <a:r>
+              <a:rPr lang="zh-CN" altLang="en-US" dirty="0" smtClean="0">
+                <a:latin typeface="Hei"/>
+                <a:ea typeface="Hei"/>
+                <a:cs typeface="Hei"/>
+              </a:rPr>
+              <a:t>文件分为</a:t>
+            </a:r>
+            <a:r>
+              <a:rPr lang="en-US" altLang="zh-CN" dirty="0" smtClean="0">
+                <a:latin typeface="Hei"/>
+                <a:ea typeface="Hei"/>
+                <a:cs typeface="Hei"/>
+              </a:rPr>
+              <a:t>4MB</a:t>
+            </a:r>
+            <a:r>
+              <a:rPr lang="zh-CN" altLang="en-US" dirty="0" smtClean="0">
+                <a:latin typeface="Hei"/>
+                <a:ea typeface="Hei"/>
+                <a:cs typeface="Hei"/>
+              </a:rPr>
+              <a:t>块</a:t>
+            </a:r>
+            <a:endParaRPr lang="zh-CN" altLang="en-US" dirty="0">
+              <a:latin typeface="Hei"/>
+              <a:ea typeface="Hei"/>
+              <a:cs typeface="Hei"/>
+            </a:endParaRPr>
+          </a:p>
+        </p:txBody>
+      </p:sp>
+      <p:sp>
+        <p:nvSpPr>
+          <p:cNvPr id="7" name="进程 6"/>
+          <p:cNvSpPr/>
+          <p:nvPr/>
+        </p:nvSpPr>
+        <p:spPr>
+          <a:xfrm>
+            <a:off x="1558701" y="1544612"/>
+            <a:ext cx="2613887" cy="528487"/>
+          </a:xfrm>
+          <a:prstGeom prst="flowChartProcess">
+            <a:avLst/>
+          </a:prstGeom>
+          <a:ln/>
+        </p:spPr>
+        <p:style>
+          <a:lnRef idx="2">
+            <a:schemeClr val="dk1"/>
+          </a:lnRef>
+          <a:fillRef idx="1">
+            <a:schemeClr val="lt1"/>
+          </a:fillRef>
+          <a:effectRef idx="0">
+            <a:schemeClr val="dk1"/>
+          </a:effectRef>
+          <a:fontRef idx="minor">
+            <a:schemeClr val="dk1"/>
+          </a:fontRef>
+        </p:style>
+        <p:txBody>
+          <a:bodyPr anchor="ctr"/>
+          <a:lstStyle/>
+          <a:p>
+            <a:pPr algn="ctr"/>
+            <a:r>
+              <a:rPr lang="zh-CN" altLang="en-US" dirty="0" smtClean="0">
+                <a:latin typeface="Hei"/>
+                <a:ea typeface="Hei"/>
+                <a:cs typeface="Hei"/>
+              </a:rPr>
+              <a:t>将块</a:t>
+            </a:r>
+            <a:r>
+              <a:rPr lang="zh-CN" altLang="en-US" dirty="0">
+                <a:latin typeface="Hei"/>
+                <a:ea typeface="Hei"/>
+                <a:cs typeface="Hei"/>
+              </a:rPr>
+              <a:t>切</a:t>
+            </a:r>
+            <a:r>
+              <a:rPr lang="zh-CN" altLang="en-US" dirty="0" smtClean="0">
+                <a:latin typeface="Hei"/>
+                <a:ea typeface="Hei"/>
+                <a:cs typeface="Hei"/>
+              </a:rPr>
+              <a:t>为指定大小的片</a:t>
+            </a:r>
+            <a:endParaRPr lang="zh-CN" altLang="en-US" dirty="0">
+              <a:latin typeface="Hei"/>
+              <a:ea typeface="Hei"/>
+              <a:cs typeface="Hei"/>
+            </a:endParaRPr>
+          </a:p>
+        </p:txBody>
+      </p:sp>
+      <p:sp>
+        <p:nvSpPr>
+          <p:cNvPr id="8" name="进程 7"/>
+          <p:cNvSpPr/>
+          <p:nvPr/>
+        </p:nvSpPr>
+        <p:spPr>
+          <a:xfrm>
+            <a:off x="1558701" y="2356862"/>
+            <a:ext cx="2613887" cy="528487"/>
+          </a:xfrm>
+          <a:prstGeom prst="flowChartProcess">
+            <a:avLst/>
+          </a:prstGeom>
+          <a:solidFill>
+            <a:schemeClr val="bg1">
+              <a:lumMod val="85000"/>
+            </a:schemeClr>
+          </a:solidFill>
+          <a:ln/>
+        </p:spPr>
+        <p:style>
+          <a:lnRef idx="2">
+            <a:schemeClr val="dk1"/>
+          </a:lnRef>
+          <a:fillRef idx="1">
+            <a:schemeClr val="lt1"/>
+          </a:fillRef>
+          <a:effectRef idx="0">
+            <a:schemeClr val="dk1"/>
+          </a:effectRef>
+          <a:fontRef idx="minor">
+            <a:schemeClr val="dk1"/>
+          </a:fontRef>
+        </p:style>
+        <p:txBody>
+          <a:bodyPr anchor="ctr"/>
+          <a:lstStyle/>
+          <a:p>
+            <a:pPr algn="ctr"/>
+            <a:r>
+              <a:rPr lang="zh-CN" altLang="en-US" dirty="0" smtClean="0">
+                <a:latin typeface="Hei"/>
+                <a:ea typeface="Hei"/>
+                <a:cs typeface="Hei"/>
+              </a:rPr>
+              <a:t>调用</a:t>
+            </a:r>
+            <a:r>
+              <a:rPr lang="en-US" altLang="zh-CN" dirty="0" err="1" smtClean="0">
+                <a:latin typeface="Arial"/>
+                <a:ea typeface="Hei"/>
+                <a:cs typeface="Arial"/>
+              </a:rPr>
+              <a:t>mkblk</a:t>
+            </a:r>
+            <a:r>
+              <a:rPr lang="zh-CN" altLang="en-US" dirty="0" smtClean="0">
+                <a:latin typeface="Hei"/>
+                <a:ea typeface="Hei"/>
+                <a:cs typeface="Hei"/>
+              </a:rPr>
+              <a:t>创建块</a:t>
+            </a:r>
+            <a:endParaRPr lang="zh-CN" altLang="en-US" dirty="0">
+              <a:latin typeface="Hei"/>
+              <a:ea typeface="Hei"/>
+              <a:cs typeface="Hei"/>
+            </a:endParaRPr>
+          </a:p>
+        </p:txBody>
+      </p:sp>
+      <p:sp>
+        <p:nvSpPr>
+          <p:cNvPr id="9" name="进程 8"/>
+          <p:cNvSpPr/>
+          <p:nvPr/>
+        </p:nvSpPr>
+        <p:spPr>
+          <a:xfrm>
+            <a:off x="1558701" y="3190112"/>
+            <a:ext cx="2613887" cy="528487"/>
+          </a:xfrm>
+          <a:prstGeom prst="flowChartProcess">
+            <a:avLst/>
+          </a:prstGeom>
+          <a:solidFill>
+            <a:schemeClr val="bg1">
+              <a:lumMod val="85000"/>
+            </a:schemeClr>
+          </a:solidFill>
+          <a:ln/>
+        </p:spPr>
+        <p:style>
+          <a:lnRef idx="2">
+            <a:schemeClr val="dk1"/>
+          </a:lnRef>
+          <a:fillRef idx="1">
+            <a:schemeClr val="lt1"/>
+          </a:fillRef>
+          <a:effectRef idx="0">
+            <a:schemeClr val="dk1"/>
+          </a:effectRef>
+          <a:fontRef idx="minor">
+            <a:schemeClr val="dk1"/>
+          </a:fontRef>
+        </p:style>
+        <p:txBody>
+          <a:bodyPr anchor="ctr"/>
+          <a:lstStyle/>
+          <a:p>
+            <a:pPr algn="ctr"/>
+            <a:r>
+              <a:rPr lang="zh-CN" altLang="en-US" dirty="0" smtClean="0">
+                <a:latin typeface="Hei"/>
+                <a:ea typeface="Hei"/>
+                <a:cs typeface="Hei"/>
+              </a:rPr>
+              <a:t>调用</a:t>
+            </a:r>
+            <a:r>
+              <a:rPr lang="en-US" altLang="zh-CN" dirty="0" err="1" smtClean="0">
+                <a:latin typeface="Arial"/>
+                <a:ea typeface="Hei"/>
+                <a:cs typeface="Arial"/>
+              </a:rPr>
+              <a:t>bput</a:t>
+            </a:r>
+            <a:r>
+              <a:rPr lang="zh-CN" altLang="en-US" dirty="0" smtClean="0">
+                <a:latin typeface="Hei"/>
+                <a:ea typeface="Hei"/>
+                <a:cs typeface="Hei"/>
+              </a:rPr>
+              <a:t>上传片数据</a:t>
+            </a:r>
+            <a:endParaRPr lang="zh-CN" altLang="en-US" dirty="0">
+              <a:latin typeface="Hei"/>
+              <a:ea typeface="Hei"/>
+              <a:cs typeface="Hei"/>
+            </a:endParaRPr>
+          </a:p>
+        </p:txBody>
+      </p:sp>
+      <p:sp>
+        <p:nvSpPr>
+          <p:cNvPr id="10" name="决策 9"/>
+          <p:cNvSpPr/>
+          <p:nvPr/>
+        </p:nvSpPr>
+        <p:spPr>
+          <a:xfrm>
+            <a:off x="1249043" y="4003911"/>
+            <a:ext cx="3227851" cy="696589"/>
+          </a:xfrm>
+          <a:prstGeom prst="flowChartDecision">
+            <a:avLst/>
+          </a:prstGeom>
+          <a:ln/>
+        </p:spPr>
+        <p:style>
+          <a:lnRef idx="2">
+            <a:schemeClr val="dk1"/>
+          </a:lnRef>
+          <a:fillRef idx="1">
+            <a:schemeClr val="lt1"/>
+          </a:fillRef>
+          <a:effectRef idx="0">
+            <a:schemeClr val="dk1"/>
+          </a:effectRef>
+          <a:fontRef idx="minor">
+            <a:schemeClr val="dk1"/>
+          </a:fontRef>
+        </p:style>
+        <p:txBody>
+          <a:bodyPr anchor="ctr"/>
+          <a:lstStyle/>
+          <a:p>
+            <a:pPr algn="ctr"/>
+            <a:r>
+              <a:rPr lang="zh-CN" altLang="en-US" dirty="0" smtClean="0">
+                <a:latin typeface="Hei"/>
+                <a:ea typeface="Hei"/>
+                <a:cs typeface="Hei"/>
+              </a:rPr>
+              <a:t>所有片已上传？</a:t>
+            </a:r>
+            <a:endParaRPr lang="zh-CN" altLang="en-US" dirty="0">
+              <a:latin typeface="Hei"/>
+              <a:ea typeface="Hei"/>
+              <a:cs typeface="Hei"/>
+            </a:endParaRPr>
+          </a:p>
+        </p:txBody>
+      </p:sp>
+      <p:cxnSp>
+        <p:nvCxnSpPr>
+          <p:cNvPr id="11" name="直线连接符 10"/>
+          <p:cNvCxnSpPr>
+            <a:stCxn id="5" idx="2"/>
+            <a:endCxn id="6" idx="0"/>
+          </p:cNvCxnSpPr>
+          <p:nvPr/>
+        </p:nvCxnSpPr>
+        <p:spPr>
+          <a:xfrm>
+            <a:off x="2865645" y="483764"/>
+            <a:ext cx="0" cy="251057"/>
+          </a:xfrm>
+          <a:prstGeom prst="line">
+            <a:avLst/>
+          </a:prstGeom>
+          <a:ln>
+            <a:tailEnd type="arrow"/>
+          </a:ln>
+        </p:spPr>
+        <p:style>
+          <a:lnRef idx="2">
+            <a:schemeClr val="dk1"/>
+          </a:lnRef>
+          <a:fillRef idx="1">
+            <a:schemeClr val="lt1"/>
+          </a:fillRef>
+          <a:effectRef idx="0">
+            <a:schemeClr val="dk1"/>
+          </a:effectRef>
+          <a:fontRef idx="minor">
+            <a:schemeClr val="dk1"/>
+          </a:fontRef>
+        </p:style>
+      </p:cxnSp>
+      <p:cxnSp>
+        <p:nvCxnSpPr>
+          <p:cNvPr id="16" name="直线连接符 15"/>
+          <p:cNvCxnSpPr>
+            <a:stCxn id="6" idx="2"/>
+            <a:endCxn id="7" idx="0"/>
+          </p:cNvCxnSpPr>
+          <p:nvPr/>
+        </p:nvCxnSpPr>
+        <p:spPr>
+          <a:xfrm>
+            <a:off x="2865645" y="1263308"/>
+            <a:ext cx="0" cy="281304"/>
+          </a:xfrm>
+          <a:prstGeom prst="line">
+            <a:avLst/>
+          </a:prstGeom>
+          <a:ln>
+            <a:tailEnd type="arrow"/>
+          </a:ln>
+        </p:spPr>
+        <p:style>
+          <a:lnRef idx="2">
+            <a:schemeClr val="dk1"/>
+          </a:lnRef>
+          <a:fillRef idx="1">
+            <a:schemeClr val="lt1"/>
+          </a:fillRef>
+          <a:effectRef idx="0">
+            <a:schemeClr val="dk1"/>
+          </a:effectRef>
+          <a:fontRef idx="minor">
+            <a:schemeClr val="dk1"/>
+          </a:fontRef>
+        </p:style>
+      </p:cxnSp>
+      <p:sp>
+        <p:nvSpPr>
+          <p:cNvPr id="19" name="决策 18"/>
+          <p:cNvSpPr/>
+          <p:nvPr/>
+        </p:nvSpPr>
+        <p:spPr>
+          <a:xfrm>
+            <a:off x="1249043" y="4950365"/>
+            <a:ext cx="3227851" cy="696589"/>
+          </a:xfrm>
+          <a:prstGeom prst="flowChartDecision">
+            <a:avLst/>
+          </a:prstGeom>
+          <a:ln/>
+        </p:spPr>
+        <p:style>
+          <a:lnRef idx="2">
+            <a:schemeClr val="dk1"/>
+          </a:lnRef>
+          <a:fillRef idx="1">
+            <a:schemeClr val="lt1"/>
+          </a:fillRef>
+          <a:effectRef idx="0">
+            <a:schemeClr val="dk1"/>
+          </a:effectRef>
+          <a:fontRef idx="minor">
+            <a:schemeClr val="dk1"/>
+          </a:fontRef>
+        </p:style>
+        <p:txBody>
+          <a:bodyPr anchor="ctr"/>
+          <a:lstStyle/>
+          <a:p>
+            <a:pPr algn="ctr"/>
+            <a:r>
+              <a:rPr lang="zh-CN" altLang="en-US" dirty="0" smtClean="0">
+                <a:latin typeface="Hei"/>
+                <a:ea typeface="Hei"/>
+                <a:cs typeface="Hei"/>
+              </a:rPr>
+              <a:t>所有块已上传？</a:t>
+            </a:r>
+            <a:endParaRPr lang="zh-CN" altLang="en-US" dirty="0">
+              <a:latin typeface="Hei"/>
+              <a:ea typeface="Hei"/>
+              <a:cs typeface="Hei"/>
+            </a:endParaRPr>
+          </a:p>
+        </p:txBody>
+      </p:sp>
+      <p:sp>
+        <p:nvSpPr>
+          <p:cNvPr id="20" name="进程 19"/>
+          <p:cNvSpPr/>
+          <p:nvPr/>
+        </p:nvSpPr>
+        <p:spPr>
+          <a:xfrm>
+            <a:off x="1553349" y="5900558"/>
+            <a:ext cx="2613887" cy="528487"/>
+          </a:xfrm>
+          <a:prstGeom prst="flowChartProcess">
+            <a:avLst/>
+          </a:prstGeom>
+          <a:solidFill>
+            <a:schemeClr val="bg1">
+              <a:lumMod val="85000"/>
+            </a:schemeClr>
+          </a:solidFill>
+          <a:ln/>
+        </p:spPr>
+        <p:style>
+          <a:lnRef idx="2">
+            <a:schemeClr val="dk1"/>
+          </a:lnRef>
+          <a:fillRef idx="1">
+            <a:schemeClr val="lt1"/>
+          </a:fillRef>
+          <a:effectRef idx="0">
+            <a:schemeClr val="dk1"/>
+          </a:effectRef>
+          <a:fontRef idx="minor">
+            <a:schemeClr val="dk1"/>
+          </a:fontRef>
+        </p:style>
+        <p:txBody>
+          <a:bodyPr anchor="ctr"/>
+          <a:lstStyle/>
+          <a:p>
+            <a:pPr algn="ctr"/>
+            <a:r>
+              <a:rPr lang="zh-CN" altLang="en-US" dirty="0" smtClean="0">
+                <a:latin typeface="Hei"/>
+                <a:ea typeface="Hei"/>
+                <a:cs typeface="Hei"/>
+              </a:rPr>
+              <a:t>调用</a:t>
+            </a:r>
+            <a:r>
+              <a:rPr lang="en-US" altLang="zh-CN" dirty="0" err="1" smtClean="0">
+                <a:latin typeface="Arial"/>
+                <a:ea typeface="Hei"/>
+                <a:cs typeface="Arial"/>
+              </a:rPr>
+              <a:t>mkfile</a:t>
+            </a:r>
+            <a:endParaRPr lang="zh-CN" altLang="en-US" dirty="0">
+              <a:latin typeface="Arial"/>
+              <a:ea typeface="Hei"/>
+              <a:cs typeface="Arial"/>
+            </a:endParaRPr>
+          </a:p>
+        </p:txBody>
+      </p:sp>
+      <p:sp>
+        <p:nvSpPr>
+          <p:cNvPr id="21" name="终止符 20"/>
+          <p:cNvSpPr/>
+          <p:nvPr/>
+        </p:nvSpPr>
+        <p:spPr>
+          <a:xfrm>
+            <a:off x="2056700" y="6705396"/>
+            <a:ext cx="1617889" cy="420524"/>
+          </a:xfrm>
+          <a:prstGeom prst="flowChartTerminator">
+            <a:avLst/>
+          </a:prstGeom>
+          <a:ln/>
+        </p:spPr>
+        <p:style>
+          <a:lnRef idx="2">
+            <a:schemeClr val="dk1"/>
+          </a:lnRef>
+          <a:fillRef idx="1">
+            <a:schemeClr val="lt1"/>
+          </a:fillRef>
+          <a:effectRef idx="0">
+            <a:schemeClr val="dk1"/>
+          </a:effectRef>
+          <a:fontRef idx="minor">
+            <a:schemeClr val="dk1"/>
+          </a:fontRef>
+        </p:style>
+        <p:txBody>
+          <a:bodyPr anchor="ctr"/>
+          <a:lstStyle/>
+          <a:p>
+            <a:pPr algn="ctr"/>
+            <a:r>
+              <a:rPr lang="zh-CN" altLang="en-US" dirty="0">
+                <a:latin typeface="Hei"/>
+                <a:ea typeface="Hei"/>
+                <a:cs typeface="Hei"/>
+              </a:rPr>
+              <a:t>完成上传</a:t>
+            </a:r>
+            <a:endParaRPr lang="zh-CN" altLang="en-US" dirty="0">
+              <a:latin typeface="Hei"/>
+              <a:ea typeface="Hei"/>
+              <a:cs typeface="Hei"/>
+            </a:endParaRPr>
+          </a:p>
+        </p:txBody>
+      </p:sp>
+      <p:cxnSp>
+        <p:nvCxnSpPr>
+          <p:cNvPr id="23" name="直线连接符 22"/>
+          <p:cNvCxnSpPr/>
+          <p:nvPr/>
+        </p:nvCxnSpPr>
+        <p:spPr>
+          <a:xfrm>
+            <a:off x="2864307" y="2075558"/>
+            <a:ext cx="0" cy="281304"/>
+          </a:xfrm>
+          <a:prstGeom prst="line">
+            <a:avLst/>
+          </a:prstGeom>
+          <a:ln>
+            <a:tailEnd type="arrow"/>
+          </a:ln>
+        </p:spPr>
+        <p:style>
+          <a:lnRef idx="2">
+            <a:schemeClr val="dk1"/>
+          </a:lnRef>
+          <a:fillRef idx="1">
+            <a:schemeClr val="lt1"/>
+          </a:fillRef>
+          <a:effectRef idx="0">
+            <a:schemeClr val="dk1"/>
+          </a:effectRef>
+          <a:fontRef idx="minor">
+            <a:schemeClr val="dk1"/>
+          </a:fontRef>
+        </p:style>
+      </p:cxnSp>
+      <p:cxnSp>
+        <p:nvCxnSpPr>
+          <p:cNvPr id="24" name="直线连接符 23"/>
+          <p:cNvCxnSpPr/>
+          <p:nvPr/>
+        </p:nvCxnSpPr>
+        <p:spPr>
+          <a:xfrm>
+            <a:off x="2862969" y="2885349"/>
+            <a:ext cx="0" cy="281304"/>
+          </a:xfrm>
+          <a:prstGeom prst="line">
+            <a:avLst/>
+          </a:prstGeom>
+          <a:ln>
+            <a:tailEnd type="arrow"/>
+          </a:ln>
+        </p:spPr>
+        <p:style>
+          <a:lnRef idx="2">
+            <a:schemeClr val="dk1"/>
+          </a:lnRef>
+          <a:fillRef idx="1">
+            <a:schemeClr val="lt1"/>
+          </a:fillRef>
+          <a:effectRef idx="0">
+            <a:schemeClr val="dk1"/>
+          </a:effectRef>
+          <a:fontRef idx="minor">
+            <a:schemeClr val="dk1"/>
+          </a:fontRef>
+        </p:style>
+      </p:cxnSp>
+      <p:cxnSp>
+        <p:nvCxnSpPr>
+          <p:cNvPr id="25" name="直线连接符 24"/>
+          <p:cNvCxnSpPr>
+            <a:stCxn id="9" idx="2"/>
+            <a:endCxn id="10" idx="0"/>
+          </p:cNvCxnSpPr>
+          <p:nvPr/>
+        </p:nvCxnSpPr>
+        <p:spPr>
+          <a:xfrm flipH="1">
+            <a:off x="2862969" y="3718599"/>
+            <a:ext cx="2676" cy="285312"/>
+          </a:xfrm>
+          <a:prstGeom prst="line">
+            <a:avLst/>
+          </a:prstGeom>
+          <a:ln>
+            <a:tailEnd type="arrow"/>
+          </a:ln>
+        </p:spPr>
+        <p:style>
+          <a:lnRef idx="2">
+            <a:schemeClr val="dk1"/>
+          </a:lnRef>
+          <a:fillRef idx="1">
+            <a:schemeClr val="lt1"/>
+          </a:fillRef>
+          <a:effectRef idx="0">
+            <a:schemeClr val="dk1"/>
+          </a:effectRef>
+          <a:fontRef idx="minor">
+            <a:schemeClr val="dk1"/>
+          </a:fontRef>
+        </p:style>
+      </p:cxnSp>
+      <p:cxnSp>
+        <p:nvCxnSpPr>
+          <p:cNvPr id="30" name="直线连接符 29"/>
+          <p:cNvCxnSpPr/>
+          <p:nvPr/>
+        </p:nvCxnSpPr>
+        <p:spPr>
+          <a:xfrm flipH="1">
+            <a:off x="2860293" y="4700500"/>
+            <a:ext cx="2676" cy="285312"/>
+          </a:xfrm>
+          <a:prstGeom prst="line">
+            <a:avLst/>
+          </a:prstGeom>
+          <a:ln>
+            <a:tailEnd type="arrow"/>
+          </a:ln>
+        </p:spPr>
+        <p:style>
+          <a:lnRef idx="2">
+            <a:schemeClr val="dk1"/>
+          </a:lnRef>
+          <a:fillRef idx="1">
+            <a:schemeClr val="lt1"/>
+          </a:fillRef>
+          <a:effectRef idx="0">
+            <a:schemeClr val="dk1"/>
+          </a:effectRef>
+          <a:fontRef idx="minor">
+            <a:schemeClr val="dk1"/>
+          </a:fontRef>
+        </p:style>
+      </p:cxnSp>
+      <p:cxnSp>
+        <p:nvCxnSpPr>
+          <p:cNvPr id="31" name="直线连接符 30"/>
+          <p:cNvCxnSpPr>
+            <a:stCxn id="19" idx="2"/>
+            <a:endCxn id="20" idx="0"/>
+          </p:cNvCxnSpPr>
+          <p:nvPr/>
+        </p:nvCxnSpPr>
+        <p:spPr>
+          <a:xfrm flipH="1">
+            <a:off x="2860293" y="5646954"/>
+            <a:ext cx="2676" cy="253604"/>
+          </a:xfrm>
+          <a:prstGeom prst="line">
+            <a:avLst/>
+          </a:prstGeom>
+          <a:ln>
+            <a:tailEnd type="arrow"/>
+          </a:ln>
+        </p:spPr>
+        <p:style>
+          <a:lnRef idx="2">
+            <a:schemeClr val="dk1"/>
+          </a:lnRef>
+          <a:fillRef idx="1">
+            <a:schemeClr val="lt1"/>
+          </a:fillRef>
+          <a:effectRef idx="0">
+            <a:schemeClr val="dk1"/>
+          </a:effectRef>
+          <a:fontRef idx="minor">
+            <a:schemeClr val="dk1"/>
+          </a:fontRef>
+        </p:style>
+      </p:cxnSp>
+      <p:cxnSp>
+        <p:nvCxnSpPr>
+          <p:cNvPr id="34" name="直线连接符 33"/>
+          <p:cNvCxnSpPr>
+            <a:stCxn id="20" idx="2"/>
+            <a:endCxn id="21" idx="0"/>
+          </p:cNvCxnSpPr>
+          <p:nvPr/>
+        </p:nvCxnSpPr>
+        <p:spPr>
+          <a:xfrm>
+            <a:off x="2860293" y="6429045"/>
+            <a:ext cx="5352" cy="276351"/>
+          </a:xfrm>
+          <a:prstGeom prst="line">
+            <a:avLst/>
+          </a:prstGeom>
+          <a:ln>
+            <a:tailEnd type="arrow"/>
+          </a:ln>
+        </p:spPr>
+        <p:style>
+          <a:lnRef idx="2">
+            <a:schemeClr val="dk1"/>
+          </a:lnRef>
+          <a:fillRef idx="1">
+            <a:schemeClr val="lt1"/>
+          </a:fillRef>
+          <a:effectRef idx="0">
+            <a:schemeClr val="dk1"/>
+          </a:effectRef>
+          <a:fontRef idx="minor">
+            <a:schemeClr val="dk1"/>
+          </a:fontRef>
+        </p:style>
+      </p:cxnSp>
+      <p:cxnSp>
+        <p:nvCxnSpPr>
+          <p:cNvPr id="37" name="肘形连接符 36"/>
+          <p:cNvCxnSpPr>
+            <a:stCxn id="10" idx="3"/>
+            <a:endCxn id="9" idx="0"/>
+          </p:cNvCxnSpPr>
+          <p:nvPr/>
+        </p:nvCxnSpPr>
+        <p:spPr>
+          <a:xfrm flipH="1" flipV="1">
+            <a:off x="2865645" y="3190112"/>
+            <a:ext cx="1611249" cy="1162094"/>
+          </a:xfrm>
+          <a:prstGeom prst="bentConnector4">
+            <a:avLst>
+              <a:gd name="adj1" fmla="val -54189"/>
+              <a:gd name="adj2" fmla="val 111752"/>
+            </a:avLst>
+          </a:prstGeom>
+          <a:ln w="28575" cmpd="sng">
+            <a:tailEnd type="triangle" w="lg"/>
+          </a:ln>
+        </p:spPr>
+        <p:style>
+          <a:lnRef idx="1">
+            <a:schemeClr val="dk1"/>
+          </a:lnRef>
+          <a:fillRef idx="0">
+            <a:schemeClr val="dk1"/>
+          </a:fillRef>
+          <a:effectRef idx="0">
+            <a:schemeClr val="dk1"/>
+          </a:effectRef>
+          <a:fontRef idx="minor">
+            <a:schemeClr val="tx1"/>
+          </a:fontRef>
+        </p:style>
+      </p:cxnSp>
+      <p:cxnSp>
+        <p:nvCxnSpPr>
+          <p:cNvPr id="43" name="肘形连接符 42"/>
+          <p:cNvCxnSpPr>
+            <a:stCxn id="19" idx="3"/>
+            <a:endCxn id="8" idx="0"/>
+          </p:cNvCxnSpPr>
+          <p:nvPr/>
+        </p:nvCxnSpPr>
+        <p:spPr>
+          <a:xfrm flipH="1" flipV="1">
+            <a:off x="2865645" y="2356862"/>
+            <a:ext cx="1611249" cy="2941798"/>
+          </a:xfrm>
+          <a:prstGeom prst="bentConnector4">
+            <a:avLst>
+              <a:gd name="adj1" fmla="val -133014"/>
+              <a:gd name="adj2" fmla="val 105269"/>
+            </a:avLst>
+          </a:prstGeom>
+          <a:ln w="28575" cmpd="sng">
+            <a:tailEnd type="triangle" w="lg"/>
+          </a:ln>
+        </p:spPr>
+        <p:style>
+          <a:lnRef idx="1">
+            <a:schemeClr val="dk1"/>
+          </a:lnRef>
+          <a:fillRef idx="0">
+            <a:schemeClr val="dk1"/>
+          </a:fillRef>
+          <a:effectRef idx="0">
+            <a:schemeClr val="dk1"/>
+          </a:effectRef>
+          <a:fontRef idx="minor">
+            <a:schemeClr val="tx1"/>
+          </a:fontRef>
+        </p:style>
+      </p:cxnSp>
+    </p:spTree>
+    <p:extLst>
+      <p:ext uri="{BB962C8B-B14F-4D97-AF65-F5344CB8AC3E}">
+        <p14:creationId xmlns:p14="http://schemas.microsoft.com/office/powerpoint/2010/main" val="2531094278"/>
+      </p:ext>
+    </p:extLst>
+  </p:cSld>
+  <p:clrMapOvr>
+    <a:masterClrMapping/>
+  </p:clrMapOvr>
+</p:sld>
+</file>
+
 <file path=ppt/theme/theme1.xml><?xml version="1.0" encoding="utf-8"?>
 <a:theme xmlns:a="http://schemas.openxmlformats.org/drawingml/2006/main" name="Office 主题">
   <a:themeElements>
@@ -5500,21 +6442,31 @@
   </a:themeElements>
   <a:objectDefaults>
     <a:spDef>
-      <a:spPr/>
-      <a:bodyPr/>
-      <a:lstStyle/>
+      <a:spPr>
+        <a:ln/>
+      </a:spPr>
+      <a:bodyPr anchor="ctr"/>
+      <a:lstStyle>
+        <a:defPPr algn="ctr">
+          <a:defRPr dirty="0" smtClean="0">
+            <a:latin typeface="Hei"/>
+            <a:ea typeface="Hei"/>
+            <a:cs typeface="Hei"/>
+          </a:defRPr>
+        </a:defPPr>
+      </a:lstStyle>
       <a:style>
-        <a:lnRef idx="1">
-          <a:schemeClr val="accent1"/>
+        <a:lnRef idx="2">
+          <a:schemeClr val="dk1"/>
         </a:lnRef>
-        <a:fillRef idx="3">
-          <a:schemeClr val="accent1"/>
+        <a:fillRef idx="1">
+          <a:schemeClr val="lt1"/>
         </a:fillRef>
-        <a:effectRef idx="2">
-          <a:schemeClr val="accent1"/>
+        <a:effectRef idx="0">
+          <a:schemeClr val="dk1"/>
         </a:effectRef>
         <a:fontRef idx="minor">
-          <a:schemeClr val="lt1"/>
+          <a:schemeClr val="dk1"/>
         </a:fontRef>
       </a:style>
     </a:spDef>
